--- a/電装班新歓.pptx
+++ b/電装班新歓.pptx
@@ -104,6 +104,11 @@
       </a:defRPr>
     </a:lvl9pPr>
   </p:defaultTextStyle>
+  <p:extLst>
+    <p:ext uri="{EFAFB233-063F-42B5-8137-9DF3F51BA10A}">
+      <p15:sldGuideLst xmlns:p15="http://schemas.microsoft.com/office/powerpoint/2012/main"/>
+    </p:ext>
+  </p:extLst>
 </p:presentation>
 </file>
 
@@ -3625,37 +3630,33 @@
             <p:ph type="ctrTitle"/>
           </p:nvPr>
         </p:nvSpPr>
-        <p:spPr/>
-        <p:txBody>
-          <a:bodyPr/>
-          <a:lstStyle/>
-          <a:p>
-            <a:endParaRPr kumimoji="1" lang="ja-JP" altLang="en-US"/>
-          </a:p>
-        </p:txBody>
-      </p:sp>
-      <p:sp>
-        <p:nvSpPr>
-          <p:cNvPr id="3" name="字幕 2">
-            <a:extLst>
-              <a:ext uri="{FF2B5EF4-FFF2-40B4-BE49-F238E27FC236}">
-                <a16:creationId xmlns:a16="http://schemas.microsoft.com/office/drawing/2014/main" id="{7D0ECFD5-0D12-6B1A-5DA3-02ECE3DA554B}"/>
-              </a:ext>
-            </a:extLst>
-          </p:cNvPr>
-          <p:cNvSpPr>
-            <a:spLocks noGrp="1"/>
-          </p:cNvSpPr>
-          <p:nvPr>
-            <p:ph type="subTitle" idx="1"/>
-          </p:nvPr>
-        </p:nvSpPr>
-        <p:spPr/>
-        <p:txBody>
-          <a:bodyPr/>
-          <a:lstStyle/>
-          <a:p>
-            <a:endParaRPr kumimoji="1" lang="ja-JP" altLang="en-US"/>
+        <p:spPr>
+          <a:xfrm>
+            <a:off x="1524000" y="2235200"/>
+            <a:ext cx="9144000" cy="2387600"/>
+          </a:xfrm>
+        </p:spPr>
+        <p:txBody>
+          <a:bodyPr anchor="ctr">
+            <a:normAutofit fontScale="90000"/>
+          </a:bodyPr>
+          <a:lstStyle/>
+          <a:p>
+            <a:r>
+              <a:rPr kumimoji="1" lang="ja-JP" altLang="en-US" dirty="0"/>
+              <a:t>電装班新歓</a:t>
+            </a:r>
+            <a:br>
+              <a:rPr kumimoji="1" lang="en-US" altLang="ja-JP" dirty="0"/>
+            </a:br>
+            <a:r>
+              <a:rPr kumimoji="1" lang="en-US" altLang="ja-JP" dirty="0"/>
+              <a:t>LED</a:t>
+            </a:r>
+            <a:r>
+              <a:rPr kumimoji="1" lang="ja-JP" altLang="en-US" dirty="0"/>
+              <a:t>をピカピカ光らせよう</a:t>
+            </a:r>
           </a:p>
         </p:txBody>
       </p:sp>
